--- a/Figures/figure_s01.pptx
+++ b/Figures/figure_s01.pptx
@@ -104,7 +104,57 @@
       </a:defRPr>
     </a:lvl9pPr>
   </p:defaultTextStyle>
+  <p:extLst>
+    <p:ext uri="{EFAFB233-063F-42B5-8137-9DF3F51BA10A}">
+      <p15:sldGuideLst xmlns:p15="http://schemas.microsoft.com/office/powerpoint/2012/main"/>
+    </p:ext>
+  </p:extLst>
 </p:presentation>
+</file>
+
+<file path=ppt/revisionInfo.xml><?xml version="1.0" encoding="utf-8"?>
+<p1510:revInfo xmlns:a="http://schemas.openxmlformats.org/drawingml/2006/main" xmlns:r="http://schemas.openxmlformats.org/officeDocument/2006/relationships" xmlns:p1510="http://schemas.microsoft.com/office/powerpoint/2015/10/main">
+  <p1510:revLst>
+    <p1510:client id="{8AF4F322-C80B-4F17-9170-9C556F9517AE}" v="1" dt="2025-07-01T18:56:18.894"/>
+  </p1510:revLst>
+</p1510:revInfo>
+</file>
+
+<file path=ppt/changesInfos/changesInfo1.xml><?xml version="1.0" encoding="utf-8"?>
+<pc:chgInfo xmlns:a="http://schemas.openxmlformats.org/drawingml/2006/main" xmlns:r="http://schemas.openxmlformats.org/officeDocument/2006/relationships" xmlns:ac="http://schemas.microsoft.com/office/drawing/2013/main/command" xmlns:pc="http://schemas.microsoft.com/office/powerpoint/2013/main/command">
+  <pc:docChgLst>
+    <pc:chgData name="Gilbert, Neil" userId="37be9f5c-8f28-415b-96d6-624acf93bb3f" providerId="ADAL" clId="{8AF4F322-C80B-4F17-9170-9C556F9517AE}"/>
+    <pc:docChg chg="custSel modSld">
+      <pc:chgData name="Gilbert, Neil" userId="37be9f5c-8f28-415b-96d6-624acf93bb3f" providerId="ADAL" clId="{8AF4F322-C80B-4F17-9170-9C556F9517AE}" dt="2025-07-01T18:56:39.141" v="6" actId="1076"/>
+      <pc:docMkLst>
+        <pc:docMk/>
+      </pc:docMkLst>
+      <pc:sldChg chg="addSp delSp modSp mod">
+        <pc:chgData name="Gilbert, Neil" userId="37be9f5c-8f28-415b-96d6-624acf93bb3f" providerId="ADAL" clId="{8AF4F322-C80B-4F17-9170-9C556F9517AE}" dt="2025-07-01T18:56:39.141" v="6" actId="1076"/>
+        <pc:sldMkLst>
+          <pc:docMk/>
+          <pc:sldMk cId="292794711" sldId="256"/>
+        </pc:sldMkLst>
+        <pc:picChg chg="add mod">
+          <ac:chgData name="Gilbert, Neil" userId="37be9f5c-8f28-415b-96d6-624acf93bb3f" providerId="ADAL" clId="{8AF4F322-C80B-4F17-9170-9C556F9517AE}" dt="2025-07-01T18:56:39.141" v="6" actId="1076"/>
+          <ac:picMkLst>
+            <pc:docMk/>
+            <pc:sldMk cId="292794711" sldId="256"/>
+            <ac:picMk id="3" creationId="{C3FC8294-97CF-AA53-24EE-C22741B810FA}"/>
+          </ac:picMkLst>
+        </pc:picChg>
+        <pc:picChg chg="del">
+          <ac:chgData name="Gilbert, Neil" userId="37be9f5c-8f28-415b-96d6-624acf93bb3f" providerId="ADAL" clId="{8AF4F322-C80B-4F17-9170-9C556F9517AE}" dt="2025-07-01T18:56:27.404" v="4" actId="478"/>
+          <ac:picMkLst>
+            <pc:docMk/>
+            <pc:sldMk cId="292794711" sldId="256"/>
+            <ac:picMk id="37" creationId="{DD17A2B8-6B67-FD4E-E29B-7A98CDD5C93E}"/>
+          </ac:picMkLst>
+        </pc:picChg>
+      </pc:sldChg>
+    </pc:docChg>
+  </pc:docChgLst>
+</pc:chgInfo>
 </file>
 
 <file path=ppt/slideLayouts/slideLayout1.xml><?xml version="1.0" encoding="utf-8"?>
@@ -238,7 +288,7 @@
           <a:p>
             <a:fld id="{9F886812-9C6F-4548-AD52-8AD1F0707AFF}" type="datetimeFigureOut">
               <a:rPr lang="en-US" smtClean="0"/>
-              <a:t>5/13/2025</a:t>
+              <a:t>7/1/2025</a:t>
             </a:fld>
             <a:endParaRPr lang="en-US"/>
           </a:p>
@@ -408,7 +458,7 @@
           <a:p>
             <a:fld id="{9F886812-9C6F-4548-AD52-8AD1F0707AFF}" type="datetimeFigureOut">
               <a:rPr lang="en-US" smtClean="0"/>
-              <a:t>5/13/2025</a:t>
+              <a:t>7/1/2025</a:t>
             </a:fld>
             <a:endParaRPr lang="en-US"/>
           </a:p>
@@ -588,7 +638,7 @@
           <a:p>
             <a:fld id="{9F886812-9C6F-4548-AD52-8AD1F0707AFF}" type="datetimeFigureOut">
               <a:rPr lang="en-US" smtClean="0"/>
-              <a:t>5/13/2025</a:t>
+              <a:t>7/1/2025</a:t>
             </a:fld>
             <a:endParaRPr lang="en-US"/>
           </a:p>
@@ -758,7 +808,7 @@
           <a:p>
             <a:fld id="{9F886812-9C6F-4548-AD52-8AD1F0707AFF}" type="datetimeFigureOut">
               <a:rPr lang="en-US" smtClean="0"/>
-              <a:t>5/13/2025</a:t>
+              <a:t>7/1/2025</a:t>
             </a:fld>
             <a:endParaRPr lang="en-US"/>
           </a:p>
@@ -1004,7 +1054,7 @@
           <a:p>
             <a:fld id="{9F886812-9C6F-4548-AD52-8AD1F0707AFF}" type="datetimeFigureOut">
               <a:rPr lang="en-US" smtClean="0"/>
-              <a:t>5/13/2025</a:t>
+              <a:t>7/1/2025</a:t>
             </a:fld>
             <a:endParaRPr lang="en-US"/>
           </a:p>
@@ -1236,7 +1286,7 @@
           <a:p>
             <a:fld id="{9F886812-9C6F-4548-AD52-8AD1F0707AFF}" type="datetimeFigureOut">
               <a:rPr lang="en-US" smtClean="0"/>
-              <a:t>5/13/2025</a:t>
+              <a:t>7/1/2025</a:t>
             </a:fld>
             <a:endParaRPr lang="en-US"/>
           </a:p>
@@ -1603,7 +1653,7 @@
           <a:p>
             <a:fld id="{9F886812-9C6F-4548-AD52-8AD1F0707AFF}" type="datetimeFigureOut">
               <a:rPr lang="en-US" smtClean="0"/>
-              <a:t>5/13/2025</a:t>
+              <a:t>7/1/2025</a:t>
             </a:fld>
             <a:endParaRPr lang="en-US"/>
           </a:p>
@@ -1721,7 +1771,7 @@
           <a:p>
             <a:fld id="{9F886812-9C6F-4548-AD52-8AD1F0707AFF}" type="datetimeFigureOut">
               <a:rPr lang="en-US" smtClean="0"/>
-              <a:t>5/13/2025</a:t>
+              <a:t>7/1/2025</a:t>
             </a:fld>
             <a:endParaRPr lang="en-US"/>
           </a:p>
@@ -1816,7 +1866,7 @@
           <a:p>
             <a:fld id="{9F886812-9C6F-4548-AD52-8AD1F0707AFF}" type="datetimeFigureOut">
               <a:rPr lang="en-US" smtClean="0"/>
-              <a:t>5/13/2025</a:t>
+              <a:t>7/1/2025</a:t>
             </a:fld>
             <a:endParaRPr lang="en-US"/>
           </a:p>
@@ -2093,7 +2143,7 @@
           <a:p>
             <a:fld id="{9F886812-9C6F-4548-AD52-8AD1F0707AFF}" type="datetimeFigureOut">
               <a:rPr lang="en-US" smtClean="0"/>
-              <a:t>5/13/2025</a:t>
+              <a:t>7/1/2025</a:t>
             </a:fld>
             <a:endParaRPr lang="en-US"/>
           </a:p>
@@ -2350,7 +2400,7 @@
           <a:p>
             <a:fld id="{9F886812-9C6F-4548-AD52-8AD1F0707AFF}" type="datetimeFigureOut">
               <a:rPr lang="en-US" smtClean="0"/>
-              <a:t>5/13/2025</a:t>
+              <a:t>7/1/2025</a:t>
             </a:fld>
             <a:endParaRPr lang="en-US"/>
           </a:p>
@@ -2563,7 +2613,7 @@
           <a:p>
             <a:fld id="{9F886812-9C6F-4548-AD52-8AD1F0707AFF}" type="datetimeFigureOut">
               <a:rPr lang="en-US" smtClean="0"/>
-              <a:t>5/13/2025</a:t>
+              <a:t>7/1/2025</a:t>
             </a:fld>
             <a:endParaRPr lang="en-US"/>
           </a:p>
@@ -2982,10 +3032,10 @@
         </p:nvGrpSpPr>
         <p:grpSpPr>
           <a:xfrm>
-            <a:off x="0" y="0"/>
-            <a:ext cx="5943613" cy="6400819"/>
-            <a:chOff x="0" y="0"/>
-            <a:chExt cx="5943613" cy="6400819"/>
+            <a:off x="0" y="6"/>
+            <a:ext cx="5943613" cy="6400813"/>
+            <a:chOff x="0" y="6"/>
+            <a:chExt cx="5943613" cy="6400813"/>
           </a:xfrm>
         </p:grpSpPr>
         <p:sp>
@@ -3150,42 +3200,6 @@
             <a:xfrm>
               <a:off x="2743206" y="6"/>
               <a:ext cx="3200407" cy="6400813"/>
-            </a:xfrm>
-            <a:prstGeom prst="rect">
-              <a:avLst/>
-            </a:prstGeom>
-          </p:spPr>
-        </p:pic>
-        <p:pic>
-          <p:nvPicPr>
-            <p:cNvPr id="37" name="Picture 36" descr="A screenshot of a video game&#10;&#10;AI-generated content may be incorrect.">
-              <a:extLst>
-                <a:ext uri="{FF2B5EF4-FFF2-40B4-BE49-F238E27FC236}">
-                  <a16:creationId xmlns:a16="http://schemas.microsoft.com/office/drawing/2014/main" id="{DD17A2B8-6B67-FD4E-E29B-7A98CDD5C93E}"/>
-                </a:ext>
-              </a:extLst>
-            </p:cNvPr>
-            <p:cNvPicPr>
-              <a:picLocks noChangeAspect="1"/>
-            </p:cNvPicPr>
-            <p:nvPr/>
-          </p:nvPicPr>
-          <p:blipFill>
-            <a:blip r:embed="rId3">
-              <a:extLst>
-                <a:ext uri="{28A0092B-C50C-407E-A947-70E740481C1C}">
-                  <a14:useLocalDpi xmlns:a14="http://schemas.microsoft.com/office/drawing/2010/main" val="0"/>
-                </a:ext>
-              </a:extLst>
-            </a:blip>
-            <a:stretch>
-              <a:fillRect/>
-            </a:stretch>
-          </p:blipFill>
-          <p:spPr>
-            <a:xfrm>
-              <a:off x="0" y="0"/>
-              <a:ext cx="2743206" cy="6400813"/>
             </a:xfrm>
             <a:prstGeom prst="rect">
               <a:avLst/>
@@ -3617,6 +3631,42 @@
           </p:txBody>
         </p:sp>
       </p:grpSp>
+      <p:pic>
+        <p:nvPicPr>
+          <p:cNvPr id="3" name="Picture 2" descr="A screenshot of a video game&#10;&#10;AI-generated content may be incorrect.">
+            <a:extLst>
+              <a:ext uri="{FF2B5EF4-FFF2-40B4-BE49-F238E27FC236}">
+                <a16:creationId xmlns:a16="http://schemas.microsoft.com/office/drawing/2014/main" id="{C3FC8294-97CF-AA53-24EE-C22741B810FA}"/>
+              </a:ext>
+            </a:extLst>
+          </p:cNvPr>
+          <p:cNvPicPr>
+            <a:picLocks noChangeAspect="1"/>
+          </p:cNvPicPr>
+          <p:nvPr/>
+        </p:nvPicPr>
+        <p:blipFill>
+          <a:blip r:embed="rId3">
+            <a:extLst>
+              <a:ext uri="{28A0092B-C50C-407E-A947-70E740481C1C}">
+                <a14:useLocalDpi xmlns:a14="http://schemas.microsoft.com/office/drawing/2010/main" val="0"/>
+              </a:ext>
+            </a:extLst>
+          </a:blip>
+          <a:stretch>
+            <a:fillRect/>
+          </a:stretch>
+        </p:blipFill>
+        <p:spPr>
+          <a:xfrm>
+            <a:off x="0" y="0"/>
+            <a:ext cx="2743200" cy="6400800"/>
+          </a:xfrm>
+          <a:prstGeom prst="rect">
+            <a:avLst/>
+          </a:prstGeom>
+        </p:spPr>
+      </p:pic>
     </p:spTree>
     <p:extLst>
       <p:ext uri="{BB962C8B-B14F-4D97-AF65-F5344CB8AC3E}">

--- a/Figures/figure_s01.pptx
+++ b/Figures/figure_s01.pptx
@@ -115,7 +115,7 @@
 <file path=ppt/revisionInfo.xml><?xml version="1.0" encoding="utf-8"?>
 <p1510:revInfo xmlns:a="http://schemas.openxmlformats.org/drawingml/2006/main" xmlns:r="http://schemas.openxmlformats.org/officeDocument/2006/relationships" xmlns:p1510="http://schemas.microsoft.com/office/powerpoint/2015/10/main">
   <p1510:revLst>
-    <p1510:client id="{8AF4F322-C80B-4F17-9170-9C556F9517AE}" v="1" dt="2025-07-01T18:56:18.894"/>
+    <p1510:client id="{8AF4F322-C80B-4F17-9170-9C556F9517AE}" v="3" dt="2025-07-03T14:44:01.356"/>
   </p1510:revLst>
 </p1510:revInfo>
 </file>
@@ -124,31 +124,111 @@
 <pc:chgInfo xmlns:a="http://schemas.openxmlformats.org/drawingml/2006/main" xmlns:r="http://schemas.openxmlformats.org/officeDocument/2006/relationships" xmlns:ac="http://schemas.microsoft.com/office/drawing/2013/main/command" xmlns:pc="http://schemas.microsoft.com/office/powerpoint/2013/main/command">
   <pc:docChgLst>
     <pc:chgData name="Gilbert, Neil" userId="37be9f5c-8f28-415b-96d6-624acf93bb3f" providerId="ADAL" clId="{8AF4F322-C80B-4F17-9170-9C556F9517AE}"/>
-    <pc:docChg chg="custSel modSld">
-      <pc:chgData name="Gilbert, Neil" userId="37be9f5c-8f28-415b-96d6-624acf93bb3f" providerId="ADAL" clId="{8AF4F322-C80B-4F17-9170-9C556F9517AE}" dt="2025-07-01T18:56:39.141" v="6" actId="1076"/>
+    <pc:docChg chg="undo custSel modSld">
+      <pc:chgData name="Gilbert, Neil" userId="37be9f5c-8f28-415b-96d6-624acf93bb3f" providerId="ADAL" clId="{8AF4F322-C80B-4F17-9170-9C556F9517AE}" dt="2025-07-03T14:44:09.960" v="26" actId="167"/>
       <pc:docMkLst>
         <pc:docMk/>
       </pc:docMkLst>
       <pc:sldChg chg="addSp delSp modSp mod">
-        <pc:chgData name="Gilbert, Neil" userId="37be9f5c-8f28-415b-96d6-624acf93bb3f" providerId="ADAL" clId="{8AF4F322-C80B-4F17-9170-9C556F9517AE}" dt="2025-07-01T18:56:39.141" v="6" actId="1076"/>
+        <pc:chgData name="Gilbert, Neil" userId="37be9f5c-8f28-415b-96d6-624acf93bb3f" providerId="ADAL" clId="{8AF4F322-C80B-4F17-9170-9C556F9517AE}" dt="2025-07-03T14:44:09.960" v="26" actId="167"/>
         <pc:sldMkLst>
           <pc:docMk/>
           <pc:sldMk cId="292794711" sldId="256"/>
         </pc:sldMkLst>
-        <pc:picChg chg="add mod">
-          <ac:chgData name="Gilbert, Neil" userId="37be9f5c-8f28-415b-96d6-624acf93bb3f" providerId="ADAL" clId="{8AF4F322-C80B-4F17-9170-9C556F9517AE}" dt="2025-07-01T18:56:39.141" v="6" actId="1076"/>
+        <pc:spChg chg="mod ord topLvl">
+          <ac:chgData name="Gilbert, Neil" userId="37be9f5c-8f28-415b-96d6-624acf93bb3f" providerId="ADAL" clId="{8AF4F322-C80B-4F17-9170-9C556F9517AE}" dt="2025-07-03T14:44:09.960" v="26" actId="167"/>
+          <ac:spMkLst>
+            <pc:docMk/>
+            <pc:sldMk cId="292794711" sldId="256"/>
+            <ac:spMk id="34" creationId="{C1C5BBCC-0818-80F6-ACC4-04BBCD7E8909}"/>
+          </ac:spMkLst>
+        </pc:spChg>
+        <pc:spChg chg="mod ord topLvl">
+          <ac:chgData name="Gilbert, Neil" userId="37be9f5c-8f28-415b-96d6-624acf93bb3f" providerId="ADAL" clId="{8AF4F322-C80B-4F17-9170-9C556F9517AE}" dt="2025-07-03T14:44:04.172" v="25" actId="167"/>
+          <ac:spMkLst>
+            <pc:docMk/>
+            <pc:sldMk cId="292794711" sldId="256"/>
+            <ac:spMk id="35" creationId="{F48B313C-8218-F218-1C37-A699748B3341}"/>
+          </ac:spMkLst>
+        </pc:spChg>
+        <pc:spChg chg="mod topLvl">
+          <ac:chgData name="Gilbert, Neil" userId="37be9f5c-8f28-415b-96d6-624acf93bb3f" providerId="ADAL" clId="{8AF4F322-C80B-4F17-9170-9C556F9517AE}" dt="2025-07-03T14:44:01.356" v="24" actId="165"/>
+          <ac:spMkLst>
+            <pc:docMk/>
+            <pc:sldMk cId="292794711" sldId="256"/>
+            <ac:spMk id="38" creationId="{5302C0D7-FE71-D15F-D2FD-37A531707D2A}"/>
+          </ac:spMkLst>
+        </pc:spChg>
+        <pc:spChg chg="mod topLvl">
+          <ac:chgData name="Gilbert, Neil" userId="37be9f5c-8f28-415b-96d6-624acf93bb3f" providerId="ADAL" clId="{8AF4F322-C80B-4F17-9170-9C556F9517AE}" dt="2025-07-03T14:44:01.356" v="24" actId="165"/>
+          <ac:spMkLst>
+            <pc:docMk/>
+            <pc:sldMk cId="292794711" sldId="256"/>
+            <ac:spMk id="39" creationId="{7F0C9F26-B3D5-2C82-1762-19D41121BC7A}"/>
+          </ac:spMkLst>
+        </pc:spChg>
+        <pc:spChg chg="mod topLvl">
+          <ac:chgData name="Gilbert, Neil" userId="37be9f5c-8f28-415b-96d6-624acf93bb3f" providerId="ADAL" clId="{8AF4F322-C80B-4F17-9170-9C556F9517AE}" dt="2025-07-03T14:44:01.356" v="24" actId="165"/>
+          <ac:spMkLst>
+            <pc:docMk/>
+            <pc:sldMk cId="292794711" sldId="256"/>
+            <ac:spMk id="41" creationId="{1846EEE4-924F-B871-4AB4-567C47680A14}"/>
+          </ac:spMkLst>
+        </pc:spChg>
+        <pc:spChg chg="mod topLvl">
+          <ac:chgData name="Gilbert, Neil" userId="37be9f5c-8f28-415b-96d6-624acf93bb3f" providerId="ADAL" clId="{8AF4F322-C80B-4F17-9170-9C556F9517AE}" dt="2025-07-03T14:44:01.356" v="24" actId="165"/>
+          <ac:spMkLst>
+            <pc:docMk/>
+            <pc:sldMk cId="292794711" sldId="256"/>
+            <ac:spMk id="42" creationId="{8266C95C-AEEB-158F-405A-2549FE9D11E1}"/>
+          </ac:spMkLst>
+        </pc:spChg>
+        <pc:spChg chg="mod topLvl">
+          <ac:chgData name="Gilbert, Neil" userId="37be9f5c-8f28-415b-96d6-624acf93bb3f" providerId="ADAL" clId="{8AF4F322-C80B-4F17-9170-9C556F9517AE}" dt="2025-07-03T14:44:01.356" v="24" actId="165"/>
+          <ac:spMkLst>
+            <pc:docMk/>
+            <pc:sldMk cId="292794711" sldId="256"/>
+            <ac:spMk id="43" creationId="{60FC4C5A-C22A-86DA-2795-B1F054A55FFF}"/>
+          </ac:spMkLst>
+        </pc:spChg>
+        <pc:spChg chg="mod topLvl">
+          <ac:chgData name="Gilbert, Neil" userId="37be9f5c-8f28-415b-96d6-624acf93bb3f" providerId="ADAL" clId="{8AF4F322-C80B-4F17-9170-9C556F9517AE}" dt="2025-07-03T14:44:01.356" v="24" actId="165"/>
+          <ac:spMkLst>
+            <pc:docMk/>
+            <pc:sldMk cId="292794711" sldId="256"/>
+            <ac:spMk id="44" creationId="{8B79AC66-1C5F-7AC2-6D2E-226EA5D16EBD}"/>
+          </ac:spMkLst>
+        </pc:spChg>
+        <pc:grpChg chg="del">
+          <ac:chgData name="Gilbert, Neil" userId="37be9f5c-8f28-415b-96d6-624acf93bb3f" providerId="ADAL" clId="{8AF4F322-C80B-4F17-9170-9C556F9517AE}" dt="2025-07-03T14:44:01.356" v="24" actId="165"/>
+          <ac:grpSpMkLst>
+            <pc:docMk/>
+            <pc:sldMk cId="292794711" sldId="256"/>
+            <ac:grpSpMk id="33" creationId="{0DFB45E7-390C-2D77-28DD-F105D1DA53E7}"/>
+          </ac:grpSpMkLst>
+        </pc:grpChg>
+        <pc:picChg chg="add del mod">
+          <ac:chgData name="Gilbert, Neil" userId="37be9f5c-8f28-415b-96d6-624acf93bb3f" providerId="ADAL" clId="{8AF4F322-C80B-4F17-9170-9C556F9517AE}" dt="2025-07-03T14:43:31.217" v="15" actId="21"/>
           <ac:picMkLst>
             <pc:docMk/>
             <pc:sldMk cId="292794711" sldId="256"/>
             <ac:picMk id="3" creationId="{C3FC8294-97CF-AA53-24EE-C22741B810FA}"/>
           </ac:picMkLst>
         </pc:picChg>
-        <pc:picChg chg="del">
-          <ac:chgData name="Gilbert, Neil" userId="37be9f5c-8f28-415b-96d6-624acf93bb3f" providerId="ADAL" clId="{8AF4F322-C80B-4F17-9170-9C556F9517AE}" dt="2025-07-01T18:56:27.404" v="4" actId="478"/>
+        <pc:picChg chg="add mod ord">
+          <ac:chgData name="Gilbert, Neil" userId="37be9f5c-8f28-415b-96d6-624acf93bb3f" providerId="ADAL" clId="{8AF4F322-C80B-4F17-9170-9C556F9517AE}" dt="2025-07-03T14:43:53.493" v="22" actId="167"/>
           <ac:picMkLst>
             <pc:docMk/>
             <pc:sldMk cId="292794711" sldId="256"/>
-            <ac:picMk id="37" creationId="{DD17A2B8-6B67-FD4E-E29B-7A98CDD5C93E}"/>
+            <ac:picMk id="4" creationId="{DCC642F3-936F-7AB7-D0E8-A6B1639F9F25}"/>
+          </ac:picMkLst>
+        </pc:picChg>
+        <pc:picChg chg="mod topLvl">
+          <ac:chgData name="Gilbert, Neil" userId="37be9f5c-8f28-415b-96d6-624acf93bb3f" providerId="ADAL" clId="{8AF4F322-C80B-4F17-9170-9C556F9517AE}" dt="2025-07-03T14:44:01.356" v="24" actId="165"/>
+          <ac:picMkLst>
+            <pc:docMk/>
+            <pc:sldMk cId="292794711" sldId="256"/>
+            <ac:picMk id="36" creationId="{82FC0057-915E-7AF5-DF24-BF3B4B73E371}"/>
           </ac:picMkLst>
         </pc:picChg>
       </pc:sldChg>
@@ -288,7 +368,7 @@
           <a:p>
             <a:fld id="{9F886812-9C6F-4548-AD52-8AD1F0707AFF}" type="datetimeFigureOut">
               <a:rPr lang="en-US" smtClean="0"/>
-              <a:t>7/1/2025</a:t>
+              <a:t>7/3/2025</a:t>
             </a:fld>
             <a:endParaRPr lang="en-US"/>
           </a:p>
@@ -458,7 +538,7 @@
           <a:p>
             <a:fld id="{9F886812-9C6F-4548-AD52-8AD1F0707AFF}" type="datetimeFigureOut">
               <a:rPr lang="en-US" smtClean="0"/>
-              <a:t>7/1/2025</a:t>
+              <a:t>7/3/2025</a:t>
             </a:fld>
             <a:endParaRPr lang="en-US"/>
           </a:p>
@@ -638,7 +718,7 @@
           <a:p>
             <a:fld id="{9F886812-9C6F-4548-AD52-8AD1F0707AFF}" type="datetimeFigureOut">
               <a:rPr lang="en-US" smtClean="0"/>
-              <a:t>7/1/2025</a:t>
+              <a:t>7/3/2025</a:t>
             </a:fld>
             <a:endParaRPr lang="en-US"/>
           </a:p>
@@ -808,7 +888,7 @@
           <a:p>
             <a:fld id="{9F886812-9C6F-4548-AD52-8AD1F0707AFF}" type="datetimeFigureOut">
               <a:rPr lang="en-US" smtClean="0"/>
-              <a:t>7/1/2025</a:t>
+              <a:t>7/3/2025</a:t>
             </a:fld>
             <a:endParaRPr lang="en-US"/>
           </a:p>
@@ -1054,7 +1134,7 @@
           <a:p>
             <a:fld id="{9F886812-9C6F-4548-AD52-8AD1F0707AFF}" type="datetimeFigureOut">
               <a:rPr lang="en-US" smtClean="0"/>
-              <a:t>7/1/2025</a:t>
+              <a:t>7/3/2025</a:t>
             </a:fld>
             <a:endParaRPr lang="en-US"/>
           </a:p>
@@ -1286,7 +1366,7 @@
           <a:p>
             <a:fld id="{9F886812-9C6F-4548-AD52-8AD1F0707AFF}" type="datetimeFigureOut">
               <a:rPr lang="en-US" smtClean="0"/>
-              <a:t>7/1/2025</a:t>
+              <a:t>7/3/2025</a:t>
             </a:fld>
             <a:endParaRPr lang="en-US"/>
           </a:p>
@@ -1653,7 +1733,7 @@
           <a:p>
             <a:fld id="{9F886812-9C6F-4548-AD52-8AD1F0707AFF}" type="datetimeFigureOut">
               <a:rPr lang="en-US" smtClean="0"/>
-              <a:t>7/1/2025</a:t>
+              <a:t>7/3/2025</a:t>
             </a:fld>
             <a:endParaRPr lang="en-US"/>
           </a:p>
@@ -1771,7 +1851,7 @@
           <a:p>
             <a:fld id="{9F886812-9C6F-4548-AD52-8AD1F0707AFF}" type="datetimeFigureOut">
               <a:rPr lang="en-US" smtClean="0"/>
-              <a:t>7/1/2025</a:t>
+              <a:t>7/3/2025</a:t>
             </a:fld>
             <a:endParaRPr lang="en-US"/>
           </a:p>
@@ -1866,7 +1946,7 @@
           <a:p>
             <a:fld id="{9F886812-9C6F-4548-AD52-8AD1F0707AFF}" type="datetimeFigureOut">
               <a:rPr lang="en-US" smtClean="0"/>
-              <a:t>7/1/2025</a:t>
+              <a:t>7/3/2025</a:t>
             </a:fld>
             <a:endParaRPr lang="en-US"/>
           </a:p>
@@ -2143,7 +2223,7 @@
           <a:p>
             <a:fld id="{9F886812-9C6F-4548-AD52-8AD1F0707AFF}" type="datetimeFigureOut">
               <a:rPr lang="en-US" smtClean="0"/>
-              <a:t>7/1/2025</a:t>
+              <a:t>7/3/2025</a:t>
             </a:fld>
             <a:endParaRPr lang="en-US"/>
           </a:p>
@@ -2400,7 +2480,7 @@
           <a:p>
             <a:fld id="{9F886812-9C6F-4548-AD52-8AD1F0707AFF}" type="datetimeFigureOut">
               <a:rPr lang="en-US" smtClean="0"/>
-              <a:t>7/1/2025</a:t>
+              <a:t>7/3/2025</a:t>
             </a:fld>
             <a:endParaRPr lang="en-US"/>
           </a:p>
@@ -2613,7 +2693,7 @@
           <a:p>
             <a:fld id="{9F886812-9C6F-4548-AD52-8AD1F0707AFF}" type="datetimeFigureOut">
               <a:rPr lang="en-US" smtClean="0"/>
-              <a:t>7/1/2025</a:t>
+              <a:t>7/3/2025</a:t>
             </a:fld>
             <a:endParaRPr lang="en-US"/>
           </a:p>
@@ -3018,625 +3098,180 @@
           <a:chExt cx="0" cy="0"/>
         </a:xfrm>
       </p:grpSpPr>
-      <p:grpSp>
-        <p:nvGrpSpPr>
-          <p:cNvPr id="33" name="Group 32">
+      <p:sp>
+        <p:nvSpPr>
+          <p:cNvPr id="34" name="Rectangle 33">
             <a:extLst>
               <a:ext uri="{FF2B5EF4-FFF2-40B4-BE49-F238E27FC236}">
-                <a16:creationId xmlns:a16="http://schemas.microsoft.com/office/drawing/2014/main" id="{0DFB45E7-390C-2D77-28DD-F105D1DA53E7}"/>
+                <a16:creationId xmlns:a16="http://schemas.microsoft.com/office/drawing/2014/main" id="{C1C5BBCC-0818-80F6-ACC4-04BBCD7E8909}"/>
               </a:ext>
             </a:extLst>
           </p:cNvPr>
-          <p:cNvGrpSpPr/>
+          <p:cNvSpPr/>
           <p:nvPr/>
-        </p:nvGrpSpPr>
-        <p:grpSpPr>
+        </p:nvSpPr>
+        <p:spPr>
           <a:xfrm>
-            <a:off x="0" y="6"/>
-            <a:ext cx="5943613" cy="6400813"/>
-            <a:chOff x="0" y="6"/>
-            <a:chExt cx="5943613" cy="6400813"/>
+            <a:off x="665882" y="3808896"/>
+            <a:ext cx="1948731" cy="2147890"/>
           </a:xfrm>
-        </p:grpSpPr>
-        <p:sp>
-          <p:nvSpPr>
-            <p:cNvPr id="34" name="Rectangle 33">
-              <a:extLst>
-                <a:ext uri="{FF2B5EF4-FFF2-40B4-BE49-F238E27FC236}">
-                  <a16:creationId xmlns:a16="http://schemas.microsoft.com/office/drawing/2014/main" id="{C1C5BBCC-0818-80F6-ACC4-04BBCD7E8909}"/>
-                </a:ext>
-              </a:extLst>
-            </p:cNvPr>
-            <p:cNvSpPr/>
-            <p:nvPr/>
-          </p:nvSpPr>
-          <p:spPr>
-            <a:xfrm>
-              <a:off x="665882" y="3808896"/>
-              <a:ext cx="1948731" cy="2147890"/>
-            </a:xfrm>
-            <a:prstGeom prst="rect">
-              <a:avLst/>
-            </a:prstGeom>
-            <a:gradFill flip="none" rotWithShape="1">
-              <a:gsLst>
-                <a:gs pos="0">
-                  <a:schemeClr val="bg1"/>
-                </a:gs>
-                <a:gs pos="50000">
-                  <a:schemeClr val="bg1">
-                    <a:lumMod val="75000"/>
-                  </a:schemeClr>
-                </a:gs>
-                <a:gs pos="100000">
-                  <a:schemeClr val="bg1"/>
-                </a:gs>
-              </a:gsLst>
-              <a:lin ang="10800000" scaled="1"/>
-              <a:tileRect/>
-            </a:gradFill>
-            <a:ln>
-              <a:noFill/>
-            </a:ln>
-          </p:spPr>
-          <p:style>
-            <a:lnRef idx="2">
-              <a:schemeClr val="accent1">
-                <a:shade val="15000"/>
-              </a:schemeClr>
-            </a:lnRef>
-            <a:fillRef idx="1">
-              <a:schemeClr val="accent1"/>
-            </a:fillRef>
-            <a:effectRef idx="0">
-              <a:schemeClr val="accent1"/>
-            </a:effectRef>
-            <a:fontRef idx="minor">
-              <a:schemeClr val="lt1"/>
-            </a:fontRef>
-          </p:style>
-          <p:txBody>
-            <a:bodyPr rtlCol="0" anchor="ctr"/>
-            <a:lstStyle/>
-            <a:p>
-              <a:pPr algn="ctr"/>
-              <a:endParaRPr lang="en-US"/>
-            </a:p>
-          </p:txBody>
-        </p:sp>
-        <p:sp>
-          <p:nvSpPr>
-            <p:cNvPr id="35" name="Rectangle 34">
-              <a:extLst>
-                <a:ext uri="{FF2B5EF4-FFF2-40B4-BE49-F238E27FC236}">
-                  <a16:creationId xmlns:a16="http://schemas.microsoft.com/office/drawing/2014/main" id="{F48B313C-8218-F218-1C37-A699748B3341}"/>
-                </a:ext>
-              </a:extLst>
-            </p:cNvPr>
-            <p:cNvSpPr/>
-            <p:nvPr/>
-          </p:nvSpPr>
-          <p:spPr>
-            <a:xfrm>
-              <a:off x="665883" y="1247775"/>
-              <a:ext cx="1948731" cy="2147890"/>
-            </a:xfrm>
-            <a:prstGeom prst="rect">
-              <a:avLst/>
-            </a:prstGeom>
-            <a:gradFill flip="none" rotWithShape="1">
-              <a:gsLst>
-                <a:gs pos="0">
-                  <a:schemeClr val="bg1"/>
-                </a:gs>
-                <a:gs pos="50000">
-                  <a:schemeClr val="bg1">
-                    <a:lumMod val="75000"/>
-                  </a:schemeClr>
-                </a:gs>
-                <a:gs pos="100000">
-                  <a:schemeClr val="bg1"/>
-                </a:gs>
-              </a:gsLst>
-              <a:lin ang="10800000" scaled="1"/>
-              <a:tileRect/>
-            </a:gradFill>
-            <a:ln>
-              <a:noFill/>
-            </a:ln>
-          </p:spPr>
-          <p:style>
-            <a:lnRef idx="2">
-              <a:schemeClr val="accent1">
-                <a:shade val="15000"/>
-              </a:schemeClr>
-            </a:lnRef>
-            <a:fillRef idx="1">
-              <a:schemeClr val="accent1"/>
-            </a:fillRef>
-            <a:effectRef idx="0">
-              <a:schemeClr val="accent1"/>
-            </a:effectRef>
-            <a:fontRef idx="minor">
-              <a:schemeClr val="lt1"/>
-            </a:fontRef>
-          </p:style>
-          <p:txBody>
-            <a:bodyPr rtlCol="0" anchor="ctr"/>
-            <a:lstStyle/>
-            <a:p>
-              <a:pPr algn="ctr"/>
-              <a:endParaRPr lang="en-US"/>
-            </a:p>
-          </p:txBody>
-        </p:sp>
-        <p:pic>
-          <p:nvPicPr>
-            <p:cNvPr id="36" name="Picture 35" descr="A close-up of a screen&#10;&#10;AI-generated content may be incorrect.">
-              <a:extLst>
-                <a:ext uri="{FF2B5EF4-FFF2-40B4-BE49-F238E27FC236}">
-                  <a16:creationId xmlns:a16="http://schemas.microsoft.com/office/drawing/2014/main" id="{82FC0057-915E-7AF5-DF24-BF3B4B73E371}"/>
-                </a:ext>
-              </a:extLst>
-            </p:cNvPr>
-            <p:cNvPicPr>
-              <a:picLocks noChangeAspect="1"/>
-            </p:cNvPicPr>
-            <p:nvPr/>
-          </p:nvPicPr>
-          <p:blipFill>
-            <a:blip r:embed="rId2">
-              <a:extLst>
-                <a:ext uri="{28A0092B-C50C-407E-A947-70E740481C1C}">
-                  <a14:useLocalDpi xmlns:a14="http://schemas.microsoft.com/office/drawing/2010/main" val="0"/>
-                </a:ext>
-              </a:extLst>
-            </a:blip>
-            <a:stretch>
-              <a:fillRect/>
-            </a:stretch>
-          </p:blipFill>
-          <p:spPr>
-            <a:xfrm>
-              <a:off x="2743206" y="6"/>
-              <a:ext cx="3200407" cy="6400813"/>
-            </a:xfrm>
-            <a:prstGeom prst="rect">
-              <a:avLst/>
-            </a:prstGeom>
-          </p:spPr>
-        </p:pic>
-        <p:sp>
-          <p:nvSpPr>
-            <p:cNvPr id="38" name="Rectangle 37">
-              <a:extLst>
-                <a:ext uri="{FF2B5EF4-FFF2-40B4-BE49-F238E27FC236}">
-                  <a16:creationId xmlns:a16="http://schemas.microsoft.com/office/drawing/2014/main" id="{5302C0D7-FE71-D15F-D2FD-37A531707D2A}"/>
-                </a:ext>
-              </a:extLst>
-            </p:cNvPr>
-            <p:cNvSpPr/>
-            <p:nvPr/>
-          </p:nvSpPr>
-          <p:spPr>
-            <a:xfrm>
-              <a:off x="1425453" y="162752"/>
-              <a:ext cx="1595836" cy="307424"/>
-            </a:xfrm>
-            <a:prstGeom prst="rect">
-              <a:avLst/>
-            </a:prstGeom>
+          <a:prstGeom prst="rect">
+            <a:avLst/>
+          </a:prstGeom>
+          <a:gradFill flip="none" rotWithShape="1">
+            <a:gsLst>
+              <a:gs pos="0">
+                <a:schemeClr val="bg1"/>
+              </a:gs>
+              <a:gs pos="50000">
+                <a:schemeClr val="bg1">
+                  <a:lumMod val="75000"/>
+                </a:schemeClr>
+              </a:gs>
+              <a:gs pos="100000">
+                <a:schemeClr val="bg1"/>
+              </a:gs>
+            </a:gsLst>
+            <a:lin ang="10800000" scaled="1"/>
+            <a:tileRect/>
+          </a:gradFill>
+          <a:ln>
             <a:noFill/>
-            <a:ln>
-              <a:noFill/>
-            </a:ln>
-          </p:spPr>
-          <p:style>
-            <a:lnRef idx="2">
-              <a:schemeClr val="accent1">
-                <a:shade val="15000"/>
-              </a:schemeClr>
-            </a:lnRef>
-            <a:fillRef idx="1">
-              <a:schemeClr val="accent1"/>
-            </a:fillRef>
-            <a:effectRef idx="0">
-              <a:schemeClr val="accent1"/>
-            </a:effectRef>
-            <a:fontRef idx="minor">
-              <a:schemeClr val="lt1"/>
-            </a:fontRef>
-          </p:style>
-          <p:txBody>
-            <a:bodyPr rtlCol="0" anchor="ctr"/>
-            <a:lstStyle/>
-            <a:p>
-              <a:pPr algn="ctr"/>
-              <a:r>
-                <a:rPr lang="en-US" sz="800" i="1" dirty="0">
-                  <a:solidFill>
-                    <a:schemeClr val="tx1"/>
-                  </a:solidFill>
-                  <a:latin typeface="Arial" panose="020B0604020202020204" pitchFamily="34" charset="0"/>
-                  <a:cs typeface="Arial" panose="020B0604020202020204" pitchFamily="34" charset="0"/>
-                </a:rPr>
-                <a:t>main effect of eclipse:</a:t>
-              </a:r>
-            </a:p>
-            <a:p>
-              <a:pPr algn="ctr"/>
-              <a:r>
-                <a:rPr lang="en-US" sz="800" i="1" dirty="0">
-                  <a:solidFill>
-                    <a:schemeClr val="tx1"/>
-                  </a:solidFill>
-                  <a:latin typeface="Arial" panose="020B0604020202020204" pitchFamily="34" charset="0"/>
-                  <a:cs typeface="Arial" panose="020B0604020202020204" pitchFamily="34" charset="0"/>
-                </a:rPr>
-                <a:t>0.90 ± 2.80, p = 0.75</a:t>
-              </a:r>
-            </a:p>
-          </p:txBody>
-        </p:sp>
-        <p:sp>
-          <p:nvSpPr>
-            <p:cNvPr id="39" name="Rectangle 38">
-              <a:extLst>
-                <a:ext uri="{FF2B5EF4-FFF2-40B4-BE49-F238E27FC236}">
-                  <a16:creationId xmlns:a16="http://schemas.microsoft.com/office/drawing/2014/main" id="{7F0C9F26-B3D5-2C82-1762-19D41121BC7A}"/>
-                </a:ext>
-              </a:extLst>
-            </p:cNvPr>
-            <p:cNvSpPr/>
-            <p:nvPr/>
-          </p:nvSpPr>
-          <p:spPr>
-            <a:xfrm>
-              <a:off x="788454" y="4206841"/>
-              <a:ext cx="636999" cy="144461"/>
-            </a:xfrm>
-            <a:prstGeom prst="rect">
-              <a:avLst/>
-            </a:prstGeom>
+          </a:ln>
+        </p:spPr>
+        <p:style>
+          <a:lnRef idx="2">
+            <a:schemeClr val="accent1">
+              <a:shade val="15000"/>
+            </a:schemeClr>
+          </a:lnRef>
+          <a:fillRef idx="1">
+            <a:schemeClr val="accent1"/>
+          </a:fillRef>
+          <a:effectRef idx="0">
+            <a:schemeClr val="accent1"/>
+          </a:effectRef>
+          <a:fontRef idx="minor">
+            <a:schemeClr val="lt1"/>
+          </a:fontRef>
+        </p:style>
+        <p:txBody>
+          <a:bodyPr rtlCol="0" anchor="ctr"/>
+          <a:lstStyle/>
+          <a:p>
+            <a:pPr algn="ctr"/>
+            <a:endParaRPr lang="en-US"/>
+          </a:p>
+        </p:txBody>
+      </p:sp>
+      <p:sp>
+        <p:nvSpPr>
+          <p:cNvPr id="35" name="Rectangle 34">
+            <a:extLst>
+              <a:ext uri="{FF2B5EF4-FFF2-40B4-BE49-F238E27FC236}">
+                <a16:creationId xmlns:a16="http://schemas.microsoft.com/office/drawing/2014/main" id="{F48B313C-8218-F218-1C37-A699748B3341}"/>
+              </a:ext>
+            </a:extLst>
+          </p:cNvPr>
+          <p:cNvSpPr/>
+          <p:nvPr/>
+        </p:nvSpPr>
+        <p:spPr>
+          <a:xfrm>
+            <a:off x="665883" y="1247775"/>
+            <a:ext cx="1948731" cy="2147890"/>
+          </a:xfrm>
+          <a:prstGeom prst="rect">
+            <a:avLst/>
+          </a:prstGeom>
+          <a:gradFill flip="none" rotWithShape="1">
+            <a:gsLst>
+              <a:gs pos="0">
+                <a:schemeClr val="bg1"/>
+              </a:gs>
+              <a:gs pos="50000">
+                <a:schemeClr val="bg1">
+                  <a:lumMod val="75000"/>
+                </a:schemeClr>
+              </a:gs>
+              <a:gs pos="100000">
+                <a:schemeClr val="bg1"/>
+              </a:gs>
+            </a:gsLst>
+            <a:lin ang="10800000" scaled="1"/>
+            <a:tileRect/>
+          </a:gradFill>
+          <a:ln>
             <a:noFill/>
-            <a:ln>
-              <a:noFill/>
-            </a:ln>
-            <a:effectLst>
-              <a:softEdge rad="0"/>
-            </a:effectLst>
-          </p:spPr>
-          <p:style>
-            <a:lnRef idx="2">
-              <a:schemeClr val="accent1">
-                <a:shade val="15000"/>
-              </a:schemeClr>
-            </a:lnRef>
-            <a:fillRef idx="1">
-              <a:schemeClr val="accent1"/>
-            </a:fillRef>
-            <a:effectRef idx="0">
-              <a:schemeClr val="accent1"/>
-            </a:effectRef>
-            <a:fontRef idx="minor">
-              <a:schemeClr val="lt1"/>
-            </a:fontRef>
-          </p:style>
-          <p:txBody>
-            <a:bodyPr lIns="0" rIns="0" rtlCol="0" anchor="ctr"/>
-            <a:lstStyle/>
-            <a:p>
-              <a:pPr algn="ctr"/>
-              <a:r>
-                <a:rPr lang="en-US" sz="700" i="1" dirty="0" err="1">
-                  <a:solidFill>
-                    <a:schemeClr val="tx1"/>
-                  </a:solidFill>
-                  <a:latin typeface="Arial" panose="020B0604020202020204" pitchFamily="34" charset="0"/>
-                  <a:cs typeface="Arial" panose="020B0604020202020204" pitchFamily="34" charset="0"/>
-                </a:rPr>
-                <a:t>american</a:t>
-              </a:r>
-              <a:r>
-                <a:rPr lang="en-US" sz="700" i="1" dirty="0">
-                  <a:solidFill>
-                    <a:schemeClr val="tx1"/>
-                  </a:solidFill>
-                  <a:latin typeface="Arial" panose="020B0604020202020204" pitchFamily="34" charset="0"/>
-                  <a:cs typeface="Arial" panose="020B0604020202020204" pitchFamily="34" charset="0"/>
-                </a:rPr>
-                <a:t> robin</a:t>
-              </a:r>
-            </a:p>
-          </p:txBody>
-        </p:sp>
-        <p:cxnSp>
-          <p:nvCxnSpPr>
-            <p:cNvPr id="40" name="Straight Arrow Connector 39">
-              <a:extLst>
-                <a:ext uri="{FF2B5EF4-FFF2-40B4-BE49-F238E27FC236}">
-                  <a16:creationId xmlns:a16="http://schemas.microsoft.com/office/drawing/2014/main" id="{412823FF-CF5C-73AF-32F2-13D3C7CF0991}"/>
-                </a:ext>
-              </a:extLst>
-            </p:cNvPr>
-            <p:cNvCxnSpPr>
-              <a:cxnSpLocks/>
-            </p:cNvCxnSpPr>
-            <p:nvPr/>
-          </p:nvCxnSpPr>
-          <p:spPr>
-            <a:xfrm>
-              <a:off x="1075890" y="4351302"/>
-              <a:ext cx="197142" cy="182598"/>
-            </a:xfrm>
-            <a:prstGeom prst="straightConnector1">
-              <a:avLst/>
-            </a:prstGeom>
-            <a:ln w="8890">
-              <a:solidFill>
-                <a:schemeClr val="tx1"/>
-              </a:solidFill>
-              <a:tailEnd type="triangle" w="sm" len="sm"/>
-            </a:ln>
-          </p:spPr>
-          <p:style>
-            <a:lnRef idx="2">
-              <a:schemeClr val="accent1"/>
-            </a:lnRef>
-            <a:fillRef idx="0">
-              <a:schemeClr val="accent1"/>
-            </a:fillRef>
-            <a:effectRef idx="1">
-              <a:schemeClr val="accent1"/>
-            </a:effectRef>
-            <a:fontRef idx="minor">
-              <a:schemeClr val="tx1"/>
-            </a:fontRef>
-          </p:style>
-        </p:cxnSp>
-        <p:sp>
-          <p:nvSpPr>
-            <p:cNvPr id="41" name="Rectangle 40">
-              <a:extLst>
-                <a:ext uri="{FF2B5EF4-FFF2-40B4-BE49-F238E27FC236}">
-                  <a16:creationId xmlns:a16="http://schemas.microsoft.com/office/drawing/2014/main" id="{1846EEE4-924F-B871-4AB4-567C47680A14}"/>
-                </a:ext>
-              </a:extLst>
-            </p:cNvPr>
-            <p:cNvSpPr/>
-            <p:nvPr/>
-          </p:nvSpPr>
-          <p:spPr>
-            <a:xfrm>
-              <a:off x="0" y="52287"/>
-              <a:ext cx="358377" cy="141448"/>
-            </a:xfrm>
-            <a:prstGeom prst="rect">
-              <a:avLst/>
-            </a:prstGeom>
-            <a:noFill/>
-            <a:ln>
-              <a:noFill/>
-            </a:ln>
-          </p:spPr>
-          <p:style>
-            <a:lnRef idx="2">
-              <a:schemeClr val="accent1">
-                <a:shade val="15000"/>
-              </a:schemeClr>
-            </a:lnRef>
-            <a:fillRef idx="1">
-              <a:schemeClr val="accent1"/>
-            </a:fillRef>
-            <a:effectRef idx="0">
-              <a:schemeClr val="accent1"/>
-            </a:effectRef>
-            <a:fontRef idx="minor">
-              <a:schemeClr val="lt1"/>
-            </a:fontRef>
-          </p:style>
-          <p:txBody>
-            <a:bodyPr rtlCol="0" anchor="ctr"/>
-            <a:lstStyle/>
-            <a:p>
-              <a:pPr algn="ctr"/>
-              <a:r>
-                <a:rPr lang="en-US" sz="1000" dirty="0">
-                  <a:solidFill>
-                    <a:schemeClr val="tx1"/>
-                  </a:solidFill>
-                  <a:latin typeface="Arial" panose="020B0604020202020204" pitchFamily="34" charset="0"/>
-                  <a:cs typeface="Arial" panose="020B0604020202020204" pitchFamily="34" charset="0"/>
-                </a:rPr>
-                <a:t>(a)</a:t>
-              </a:r>
-            </a:p>
-          </p:txBody>
-        </p:sp>
-        <p:sp>
-          <p:nvSpPr>
-            <p:cNvPr id="42" name="Rectangle 41">
-              <a:extLst>
-                <a:ext uri="{FF2B5EF4-FFF2-40B4-BE49-F238E27FC236}">
-                  <a16:creationId xmlns:a16="http://schemas.microsoft.com/office/drawing/2014/main" id="{8266C95C-AEEB-158F-405A-2549FE9D11E1}"/>
-                </a:ext>
-              </a:extLst>
-            </p:cNvPr>
-            <p:cNvSpPr/>
-            <p:nvPr/>
-          </p:nvSpPr>
-          <p:spPr>
-            <a:xfrm>
-              <a:off x="0" y="1106327"/>
-              <a:ext cx="358377" cy="141448"/>
-            </a:xfrm>
-            <a:prstGeom prst="rect">
-              <a:avLst/>
-            </a:prstGeom>
-            <a:noFill/>
-            <a:ln>
-              <a:noFill/>
-            </a:ln>
-          </p:spPr>
-          <p:style>
-            <a:lnRef idx="2">
-              <a:schemeClr val="accent1">
-                <a:shade val="15000"/>
-              </a:schemeClr>
-            </a:lnRef>
-            <a:fillRef idx="1">
-              <a:schemeClr val="accent1"/>
-            </a:fillRef>
-            <a:effectRef idx="0">
-              <a:schemeClr val="accent1"/>
-            </a:effectRef>
-            <a:fontRef idx="minor">
-              <a:schemeClr val="lt1"/>
-            </a:fontRef>
-          </p:style>
-          <p:txBody>
-            <a:bodyPr rtlCol="0" anchor="ctr"/>
-            <a:lstStyle/>
-            <a:p>
-              <a:pPr algn="ctr"/>
-              <a:r>
-                <a:rPr lang="en-US" sz="1000" dirty="0">
-                  <a:solidFill>
-                    <a:schemeClr val="tx1"/>
-                  </a:solidFill>
-                  <a:latin typeface="Arial" panose="020B0604020202020204" pitchFamily="34" charset="0"/>
-                  <a:cs typeface="Arial" panose="020B0604020202020204" pitchFamily="34" charset="0"/>
-                </a:rPr>
-                <a:t>(b)</a:t>
-              </a:r>
-            </a:p>
-          </p:txBody>
-        </p:sp>
-        <p:sp>
-          <p:nvSpPr>
-            <p:cNvPr id="43" name="Rectangle 42">
-              <a:extLst>
-                <a:ext uri="{FF2B5EF4-FFF2-40B4-BE49-F238E27FC236}">
-                  <a16:creationId xmlns:a16="http://schemas.microsoft.com/office/drawing/2014/main" id="{60FC4C5A-C22A-86DA-2795-B1F054A55FFF}"/>
-                </a:ext>
-              </a:extLst>
-            </p:cNvPr>
-            <p:cNvSpPr/>
-            <p:nvPr/>
-          </p:nvSpPr>
-          <p:spPr>
-            <a:xfrm>
-              <a:off x="0" y="3667448"/>
-              <a:ext cx="358377" cy="141448"/>
-            </a:xfrm>
-            <a:prstGeom prst="rect">
-              <a:avLst/>
-            </a:prstGeom>
-            <a:noFill/>
-            <a:ln>
-              <a:noFill/>
-            </a:ln>
-          </p:spPr>
-          <p:style>
-            <a:lnRef idx="2">
-              <a:schemeClr val="accent1">
-                <a:shade val="15000"/>
-              </a:schemeClr>
-            </a:lnRef>
-            <a:fillRef idx="1">
-              <a:schemeClr val="accent1"/>
-            </a:fillRef>
-            <a:effectRef idx="0">
-              <a:schemeClr val="accent1"/>
-            </a:effectRef>
-            <a:fontRef idx="minor">
-              <a:schemeClr val="lt1"/>
-            </a:fontRef>
-          </p:style>
-          <p:txBody>
-            <a:bodyPr rtlCol="0" anchor="ctr"/>
-            <a:lstStyle/>
-            <a:p>
-              <a:pPr algn="ctr"/>
-              <a:r>
-                <a:rPr lang="en-US" sz="1000" dirty="0">
-                  <a:solidFill>
-                    <a:schemeClr val="tx1"/>
-                  </a:solidFill>
-                  <a:latin typeface="Arial" panose="020B0604020202020204" pitchFamily="34" charset="0"/>
-                  <a:cs typeface="Arial" panose="020B0604020202020204" pitchFamily="34" charset="0"/>
-                </a:rPr>
-                <a:t>(c)</a:t>
-              </a:r>
-            </a:p>
-          </p:txBody>
-        </p:sp>
-        <p:sp>
-          <p:nvSpPr>
-            <p:cNvPr id="44" name="Rectangle 43">
-              <a:extLst>
-                <a:ext uri="{FF2B5EF4-FFF2-40B4-BE49-F238E27FC236}">
-                  <a16:creationId xmlns:a16="http://schemas.microsoft.com/office/drawing/2014/main" id="{8B79AC66-1C5F-7AC2-6D2E-226EA5D16EBD}"/>
-                </a:ext>
-              </a:extLst>
-            </p:cNvPr>
-            <p:cNvSpPr/>
-            <p:nvPr/>
-          </p:nvSpPr>
-          <p:spPr>
-            <a:xfrm>
-              <a:off x="2703059" y="55522"/>
-              <a:ext cx="358377" cy="141448"/>
-            </a:xfrm>
-            <a:prstGeom prst="rect">
-              <a:avLst/>
-            </a:prstGeom>
-            <a:noFill/>
-            <a:ln>
-              <a:noFill/>
-            </a:ln>
-          </p:spPr>
-          <p:style>
-            <a:lnRef idx="2">
-              <a:schemeClr val="accent1">
-                <a:shade val="15000"/>
-              </a:schemeClr>
-            </a:lnRef>
-            <a:fillRef idx="1">
-              <a:schemeClr val="accent1"/>
-            </a:fillRef>
-            <a:effectRef idx="0">
-              <a:schemeClr val="accent1"/>
-            </a:effectRef>
-            <a:fontRef idx="minor">
-              <a:schemeClr val="lt1"/>
-            </a:fontRef>
-          </p:style>
-          <p:txBody>
-            <a:bodyPr rtlCol="0" anchor="ctr"/>
-            <a:lstStyle/>
-            <a:p>
-              <a:pPr algn="ctr"/>
-              <a:r>
-                <a:rPr lang="en-US" sz="1000" dirty="0">
-                  <a:solidFill>
-                    <a:schemeClr val="tx1"/>
-                  </a:solidFill>
-                  <a:latin typeface="Arial" panose="020B0604020202020204" pitchFamily="34" charset="0"/>
-                  <a:cs typeface="Arial" panose="020B0604020202020204" pitchFamily="34" charset="0"/>
-                </a:rPr>
-                <a:t>(d)</a:t>
-              </a:r>
-            </a:p>
-          </p:txBody>
-        </p:sp>
-      </p:grpSp>
+          </a:ln>
+        </p:spPr>
+        <p:style>
+          <a:lnRef idx="2">
+            <a:schemeClr val="accent1">
+              <a:shade val="15000"/>
+            </a:schemeClr>
+          </a:lnRef>
+          <a:fillRef idx="1">
+            <a:schemeClr val="accent1"/>
+          </a:fillRef>
+          <a:effectRef idx="0">
+            <a:schemeClr val="accent1"/>
+          </a:effectRef>
+          <a:fontRef idx="minor">
+            <a:schemeClr val="lt1"/>
+          </a:fontRef>
+        </p:style>
+        <p:txBody>
+          <a:bodyPr rtlCol="0" anchor="ctr"/>
+          <a:lstStyle/>
+          <a:p>
+            <a:pPr algn="ctr"/>
+            <a:endParaRPr lang="en-US"/>
+          </a:p>
+        </p:txBody>
+      </p:sp>
       <p:pic>
         <p:nvPicPr>
-          <p:cNvPr id="3" name="Picture 2" descr="A screenshot of a video game&#10;&#10;AI-generated content may be incorrect.">
+          <p:cNvPr id="4" name="Picture 3" descr="A screenshot of a video game&#10;&#10;AI-generated content may be incorrect.">
             <a:extLst>
               <a:ext uri="{FF2B5EF4-FFF2-40B4-BE49-F238E27FC236}">
-                <a16:creationId xmlns:a16="http://schemas.microsoft.com/office/drawing/2014/main" id="{C3FC8294-97CF-AA53-24EE-C22741B810FA}"/>
+                <a16:creationId xmlns:a16="http://schemas.microsoft.com/office/drawing/2014/main" id="{DCC642F3-936F-7AB7-D0E8-A6B1639F9F25}"/>
+              </a:ext>
+            </a:extLst>
+          </p:cNvPr>
+          <p:cNvPicPr>
+            <a:picLocks noChangeAspect="1"/>
+          </p:cNvPicPr>
+          <p:nvPr/>
+        </p:nvPicPr>
+        <p:blipFill>
+          <a:blip r:embed="rId2">
+            <a:extLst>
+              <a:ext uri="{28A0092B-C50C-407E-A947-70E740481C1C}">
+                <a14:useLocalDpi xmlns:a14="http://schemas.microsoft.com/office/drawing/2010/main" val="0"/>
+              </a:ext>
+            </a:extLst>
+          </a:blip>
+          <a:stretch>
+            <a:fillRect/>
+          </a:stretch>
+        </p:blipFill>
+        <p:spPr>
+          <a:xfrm>
+            <a:off x="0" y="0"/>
+            <a:ext cx="2743200" cy="6400800"/>
+          </a:xfrm>
+          <a:prstGeom prst="rect">
+            <a:avLst/>
+          </a:prstGeom>
+        </p:spPr>
+      </p:pic>
+      <p:pic>
+        <p:nvPicPr>
+          <p:cNvPr id="36" name="Picture 35" descr="A close-up of a screen&#10;&#10;AI-generated content may be incorrect.">
+            <a:extLst>
+              <a:ext uri="{FF2B5EF4-FFF2-40B4-BE49-F238E27FC236}">
+                <a16:creationId xmlns:a16="http://schemas.microsoft.com/office/drawing/2014/main" id="{82FC0057-915E-7AF5-DF24-BF3B4B73E371}"/>
               </a:ext>
             </a:extLst>
           </p:cNvPr>
@@ -3659,14 +3294,438 @@
         </p:blipFill>
         <p:spPr>
           <a:xfrm>
-            <a:off x="0" y="0"/>
-            <a:ext cx="2743200" cy="6400800"/>
+            <a:off x="2743206" y="6"/>
+            <a:ext cx="3200407" cy="6400813"/>
           </a:xfrm>
           <a:prstGeom prst="rect">
             <a:avLst/>
           </a:prstGeom>
         </p:spPr>
       </p:pic>
+      <p:sp>
+        <p:nvSpPr>
+          <p:cNvPr id="38" name="Rectangle 37">
+            <a:extLst>
+              <a:ext uri="{FF2B5EF4-FFF2-40B4-BE49-F238E27FC236}">
+                <a16:creationId xmlns:a16="http://schemas.microsoft.com/office/drawing/2014/main" id="{5302C0D7-FE71-D15F-D2FD-37A531707D2A}"/>
+              </a:ext>
+            </a:extLst>
+          </p:cNvPr>
+          <p:cNvSpPr/>
+          <p:nvPr/>
+        </p:nvSpPr>
+        <p:spPr>
+          <a:xfrm>
+            <a:off x="1425453" y="162752"/>
+            <a:ext cx="1595836" cy="307424"/>
+          </a:xfrm>
+          <a:prstGeom prst="rect">
+            <a:avLst/>
+          </a:prstGeom>
+          <a:noFill/>
+          <a:ln>
+            <a:noFill/>
+          </a:ln>
+        </p:spPr>
+        <p:style>
+          <a:lnRef idx="2">
+            <a:schemeClr val="accent1">
+              <a:shade val="15000"/>
+            </a:schemeClr>
+          </a:lnRef>
+          <a:fillRef idx="1">
+            <a:schemeClr val="accent1"/>
+          </a:fillRef>
+          <a:effectRef idx="0">
+            <a:schemeClr val="accent1"/>
+          </a:effectRef>
+          <a:fontRef idx="minor">
+            <a:schemeClr val="lt1"/>
+          </a:fontRef>
+        </p:style>
+        <p:txBody>
+          <a:bodyPr rtlCol="0" anchor="ctr"/>
+          <a:lstStyle/>
+          <a:p>
+            <a:pPr algn="ctr"/>
+            <a:r>
+              <a:rPr lang="en-US" sz="800" i="1" dirty="0">
+                <a:solidFill>
+                  <a:schemeClr val="tx1"/>
+                </a:solidFill>
+                <a:latin typeface="Arial" panose="020B0604020202020204" pitchFamily="34" charset="0"/>
+                <a:cs typeface="Arial" panose="020B0604020202020204" pitchFamily="34" charset="0"/>
+              </a:rPr>
+              <a:t>main effect of eclipse:</a:t>
+            </a:r>
+          </a:p>
+          <a:p>
+            <a:pPr algn="ctr"/>
+            <a:r>
+              <a:rPr lang="en-US" sz="800" i="1" dirty="0">
+                <a:solidFill>
+                  <a:schemeClr val="tx1"/>
+                </a:solidFill>
+                <a:latin typeface="Arial" panose="020B0604020202020204" pitchFamily="34" charset="0"/>
+                <a:cs typeface="Arial" panose="020B0604020202020204" pitchFamily="34" charset="0"/>
+              </a:rPr>
+              <a:t>0.90 ± 2.80, p = 0.75</a:t>
+            </a:r>
+          </a:p>
+        </p:txBody>
+      </p:sp>
+      <p:sp>
+        <p:nvSpPr>
+          <p:cNvPr id="39" name="Rectangle 38">
+            <a:extLst>
+              <a:ext uri="{FF2B5EF4-FFF2-40B4-BE49-F238E27FC236}">
+                <a16:creationId xmlns:a16="http://schemas.microsoft.com/office/drawing/2014/main" id="{7F0C9F26-B3D5-2C82-1762-19D41121BC7A}"/>
+              </a:ext>
+            </a:extLst>
+          </p:cNvPr>
+          <p:cNvSpPr/>
+          <p:nvPr/>
+        </p:nvSpPr>
+        <p:spPr>
+          <a:xfrm>
+            <a:off x="788454" y="4206841"/>
+            <a:ext cx="636999" cy="144461"/>
+          </a:xfrm>
+          <a:prstGeom prst="rect">
+            <a:avLst/>
+          </a:prstGeom>
+          <a:noFill/>
+          <a:ln>
+            <a:noFill/>
+          </a:ln>
+          <a:effectLst>
+            <a:softEdge rad="0"/>
+          </a:effectLst>
+        </p:spPr>
+        <p:style>
+          <a:lnRef idx="2">
+            <a:schemeClr val="accent1">
+              <a:shade val="15000"/>
+            </a:schemeClr>
+          </a:lnRef>
+          <a:fillRef idx="1">
+            <a:schemeClr val="accent1"/>
+          </a:fillRef>
+          <a:effectRef idx="0">
+            <a:schemeClr val="accent1"/>
+          </a:effectRef>
+          <a:fontRef idx="minor">
+            <a:schemeClr val="lt1"/>
+          </a:fontRef>
+        </p:style>
+        <p:txBody>
+          <a:bodyPr lIns="0" rIns="0" rtlCol="0" anchor="ctr"/>
+          <a:lstStyle/>
+          <a:p>
+            <a:pPr algn="ctr"/>
+            <a:r>
+              <a:rPr lang="en-US" sz="700" i="1" dirty="0" err="1">
+                <a:solidFill>
+                  <a:schemeClr val="tx1"/>
+                </a:solidFill>
+                <a:latin typeface="Arial" panose="020B0604020202020204" pitchFamily="34" charset="0"/>
+                <a:cs typeface="Arial" panose="020B0604020202020204" pitchFamily="34" charset="0"/>
+              </a:rPr>
+              <a:t>american</a:t>
+            </a:r>
+            <a:r>
+              <a:rPr lang="en-US" sz="700" i="1" dirty="0">
+                <a:solidFill>
+                  <a:schemeClr val="tx1"/>
+                </a:solidFill>
+                <a:latin typeface="Arial" panose="020B0604020202020204" pitchFamily="34" charset="0"/>
+                <a:cs typeface="Arial" panose="020B0604020202020204" pitchFamily="34" charset="0"/>
+              </a:rPr>
+              <a:t> robin</a:t>
+            </a:r>
+          </a:p>
+        </p:txBody>
+      </p:sp>
+      <p:cxnSp>
+        <p:nvCxnSpPr>
+          <p:cNvPr id="40" name="Straight Arrow Connector 39">
+            <a:extLst>
+              <a:ext uri="{FF2B5EF4-FFF2-40B4-BE49-F238E27FC236}">
+                <a16:creationId xmlns:a16="http://schemas.microsoft.com/office/drawing/2014/main" id="{412823FF-CF5C-73AF-32F2-13D3C7CF0991}"/>
+              </a:ext>
+            </a:extLst>
+          </p:cNvPr>
+          <p:cNvCxnSpPr>
+            <a:cxnSpLocks/>
+          </p:cNvCxnSpPr>
+          <p:nvPr/>
+        </p:nvCxnSpPr>
+        <p:spPr>
+          <a:xfrm>
+            <a:off x="1075890" y="4351302"/>
+            <a:ext cx="197142" cy="182598"/>
+          </a:xfrm>
+          <a:prstGeom prst="straightConnector1">
+            <a:avLst/>
+          </a:prstGeom>
+          <a:ln w="8890">
+            <a:solidFill>
+              <a:schemeClr val="tx1"/>
+            </a:solidFill>
+            <a:tailEnd type="triangle" w="sm" len="sm"/>
+          </a:ln>
+        </p:spPr>
+        <p:style>
+          <a:lnRef idx="2">
+            <a:schemeClr val="accent1"/>
+          </a:lnRef>
+          <a:fillRef idx="0">
+            <a:schemeClr val="accent1"/>
+          </a:fillRef>
+          <a:effectRef idx="1">
+            <a:schemeClr val="accent1"/>
+          </a:effectRef>
+          <a:fontRef idx="minor">
+            <a:schemeClr val="tx1"/>
+          </a:fontRef>
+        </p:style>
+      </p:cxnSp>
+      <p:sp>
+        <p:nvSpPr>
+          <p:cNvPr id="41" name="Rectangle 40">
+            <a:extLst>
+              <a:ext uri="{FF2B5EF4-FFF2-40B4-BE49-F238E27FC236}">
+                <a16:creationId xmlns:a16="http://schemas.microsoft.com/office/drawing/2014/main" id="{1846EEE4-924F-B871-4AB4-567C47680A14}"/>
+              </a:ext>
+            </a:extLst>
+          </p:cNvPr>
+          <p:cNvSpPr/>
+          <p:nvPr/>
+        </p:nvSpPr>
+        <p:spPr>
+          <a:xfrm>
+            <a:off x="0" y="52287"/>
+            <a:ext cx="358377" cy="141448"/>
+          </a:xfrm>
+          <a:prstGeom prst="rect">
+            <a:avLst/>
+          </a:prstGeom>
+          <a:noFill/>
+          <a:ln>
+            <a:noFill/>
+          </a:ln>
+        </p:spPr>
+        <p:style>
+          <a:lnRef idx="2">
+            <a:schemeClr val="accent1">
+              <a:shade val="15000"/>
+            </a:schemeClr>
+          </a:lnRef>
+          <a:fillRef idx="1">
+            <a:schemeClr val="accent1"/>
+          </a:fillRef>
+          <a:effectRef idx="0">
+            <a:schemeClr val="accent1"/>
+          </a:effectRef>
+          <a:fontRef idx="minor">
+            <a:schemeClr val="lt1"/>
+          </a:fontRef>
+        </p:style>
+        <p:txBody>
+          <a:bodyPr rtlCol="0" anchor="ctr"/>
+          <a:lstStyle/>
+          <a:p>
+            <a:pPr algn="ctr"/>
+            <a:r>
+              <a:rPr lang="en-US" sz="1000" dirty="0">
+                <a:solidFill>
+                  <a:schemeClr val="tx1"/>
+                </a:solidFill>
+                <a:latin typeface="Arial" panose="020B0604020202020204" pitchFamily="34" charset="0"/>
+                <a:cs typeface="Arial" panose="020B0604020202020204" pitchFamily="34" charset="0"/>
+              </a:rPr>
+              <a:t>(a)</a:t>
+            </a:r>
+          </a:p>
+        </p:txBody>
+      </p:sp>
+      <p:sp>
+        <p:nvSpPr>
+          <p:cNvPr id="42" name="Rectangle 41">
+            <a:extLst>
+              <a:ext uri="{FF2B5EF4-FFF2-40B4-BE49-F238E27FC236}">
+                <a16:creationId xmlns:a16="http://schemas.microsoft.com/office/drawing/2014/main" id="{8266C95C-AEEB-158F-405A-2549FE9D11E1}"/>
+              </a:ext>
+            </a:extLst>
+          </p:cNvPr>
+          <p:cNvSpPr/>
+          <p:nvPr/>
+        </p:nvSpPr>
+        <p:spPr>
+          <a:xfrm>
+            <a:off x="0" y="1106327"/>
+            <a:ext cx="358377" cy="141448"/>
+          </a:xfrm>
+          <a:prstGeom prst="rect">
+            <a:avLst/>
+          </a:prstGeom>
+          <a:noFill/>
+          <a:ln>
+            <a:noFill/>
+          </a:ln>
+        </p:spPr>
+        <p:style>
+          <a:lnRef idx="2">
+            <a:schemeClr val="accent1">
+              <a:shade val="15000"/>
+            </a:schemeClr>
+          </a:lnRef>
+          <a:fillRef idx="1">
+            <a:schemeClr val="accent1"/>
+          </a:fillRef>
+          <a:effectRef idx="0">
+            <a:schemeClr val="accent1"/>
+          </a:effectRef>
+          <a:fontRef idx="minor">
+            <a:schemeClr val="lt1"/>
+          </a:fontRef>
+        </p:style>
+        <p:txBody>
+          <a:bodyPr rtlCol="0" anchor="ctr"/>
+          <a:lstStyle/>
+          <a:p>
+            <a:pPr algn="ctr"/>
+            <a:r>
+              <a:rPr lang="en-US" sz="1000" dirty="0">
+                <a:solidFill>
+                  <a:schemeClr val="tx1"/>
+                </a:solidFill>
+                <a:latin typeface="Arial" panose="020B0604020202020204" pitchFamily="34" charset="0"/>
+                <a:cs typeface="Arial" panose="020B0604020202020204" pitchFamily="34" charset="0"/>
+              </a:rPr>
+              <a:t>(c)</a:t>
+            </a:r>
+          </a:p>
+        </p:txBody>
+      </p:sp>
+      <p:sp>
+        <p:nvSpPr>
+          <p:cNvPr id="43" name="Rectangle 42">
+            <a:extLst>
+              <a:ext uri="{FF2B5EF4-FFF2-40B4-BE49-F238E27FC236}">
+                <a16:creationId xmlns:a16="http://schemas.microsoft.com/office/drawing/2014/main" id="{60FC4C5A-C22A-86DA-2795-B1F054A55FFF}"/>
+              </a:ext>
+            </a:extLst>
+          </p:cNvPr>
+          <p:cNvSpPr/>
+          <p:nvPr/>
+        </p:nvSpPr>
+        <p:spPr>
+          <a:xfrm>
+            <a:off x="0" y="3667448"/>
+            <a:ext cx="358377" cy="141448"/>
+          </a:xfrm>
+          <a:prstGeom prst="rect">
+            <a:avLst/>
+          </a:prstGeom>
+          <a:noFill/>
+          <a:ln>
+            <a:noFill/>
+          </a:ln>
+        </p:spPr>
+        <p:style>
+          <a:lnRef idx="2">
+            <a:schemeClr val="accent1">
+              <a:shade val="15000"/>
+            </a:schemeClr>
+          </a:lnRef>
+          <a:fillRef idx="1">
+            <a:schemeClr val="accent1"/>
+          </a:fillRef>
+          <a:effectRef idx="0">
+            <a:schemeClr val="accent1"/>
+          </a:effectRef>
+          <a:fontRef idx="minor">
+            <a:schemeClr val="lt1"/>
+          </a:fontRef>
+        </p:style>
+        <p:txBody>
+          <a:bodyPr rtlCol="0" anchor="ctr"/>
+          <a:lstStyle/>
+          <a:p>
+            <a:pPr algn="ctr"/>
+            <a:r>
+              <a:rPr lang="en-US" sz="1000" dirty="0">
+                <a:solidFill>
+                  <a:schemeClr val="tx1"/>
+                </a:solidFill>
+                <a:latin typeface="Arial" panose="020B0604020202020204" pitchFamily="34" charset="0"/>
+                <a:cs typeface="Arial" panose="020B0604020202020204" pitchFamily="34" charset="0"/>
+              </a:rPr>
+              <a:t>(d)</a:t>
+            </a:r>
+          </a:p>
+        </p:txBody>
+      </p:sp>
+      <p:sp>
+        <p:nvSpPr>
+          <p:cNvPr id="44" name="Rectangle 43">
+            <a:extLst>
+              <a:ext uri="{FF2B5EF4-FFF2-40B4-BE49-F238E27FC236}">
+                <a16:creationId xmlns:a16="http://schemas.microsoft.com/office/drawing/2014/main" id="{8B79AC66-1C5F-7AC2-6D2E-226EA5D16EBD}"/>
+              </a:ext>
+            </a:extLst>
+          </p:cNvPr>
+          <p:cNvSpPr/>
+          <p:nvPr/>
+        </p:nvSpPr>
+        <p:spPr>
+          <a:xfrm>
+            <a:off x="2703059" y="55522"/>
+            <a:ext cx="358377" cy="141448"/>
+          </a:xfrm>
+          <a:prstGeom prst="rect">
+            <a:avLst/>
+          </a:prstGeom>
+          <a:noFill/>
+          <a:ln>
+            <a:noFill/>
+          </a:ln>
+        </p:spPr>
+        <p:style>
+          <a:lnRef idx="2">
+            <a:schemeClr val="accent1">
+              <a:shade val="15000"/>
+            </a:schemeClr>
+          </a:lnRef>
+          <a:fillRef idx="1">
+            <a:schemeClr val="accent1"/>
+          </a:fillRef>
+          <a:effectRef idx="0">
+            <a:schemeClr val="accent1"/>
+          </a:effectRef>
+          <a:fontRef idx="minor">
+            <a:schemeClr val="lt1"/>
+          </a:fontRef>
+        </p:style>
+        <p:txBody>
+          <a:bodyPr rtlCol="0" anchor="ctr"/>
+          <a:lstStyle/>
+          <a:p>
+            <a:pPr algn="ctr"/>
+            <a:r>
+              <a:rPr lang="en-US" sz="1000" dirty="0">
+                <a:solidFill>
+                  <a:schemeClr val="tx1"/>
+                </a:solidFill>
+                <a:latin typeface="Arial" panose="020B0604020202020204" pitchFamily="34" charset="0"/>
+                <a:cs typeface="Arial" panose="020B0604020202020204" pitchFamily="34" charset="0"/>
+              </a:rPr>
+              <a:t>(b)</a:t>
+            </a:r>
+          </a:p>
+        </p:txBody>
+      </p:sp>
     </p:spTree>
     <p:extLst>
       <p:ext uri="{BB962C8B-B14F-4D97-AF65-F5344CB8AC3E}">
